--- a/Presentation1.pptx
+++ b/Presentation1.pptx
@@ -13,8 +13,9 @@
     <p:sldId id="262" r:id="rId7"/>
     <p:sldId id="265" r:id="rId8"/>
     <p:sldId id="261" r:id="rId9"/>
-    <p:sldId id="258" r:id="rId10"/>
-    <p:sldId id="260" r:id="rId11"/>
+    <p:sldId id="267" r:id="rId10"/>
+    <p:sldId id="258" r:id="rId11"/>
+    <p:sldId id="260" r:id="rId12"/>
   </p:sldIdLst>
   <p:sldSz cx="12192000" cy="6858000"/>
   <p:notesSz cx="6858000" cy="9144000"/>
@@ -113,6 +114,11 @@
       </a:defRPr>
     </a:lvl9pPr>
   </p:defaultTextStyle>
+  <p:extLst>
+    <p:ext uri="{EFAFB233-063F-42B5-8137-9DF3F51BA10A}">
+      <p15:sldGuideLst xmlns:p15="http://schemas.microsoft.com/office/powerpoint/2012/main"/>
+    </p:ext>
+  </p:extLst>
 </p:presentation>
 </file>
 
@@ -263,7 +269,7 @@
           <a:p>
             <a:fld id="{60A75851-D58E-4D45-B7FD-728F0A4A5AE9}" type="datetimeFigureOut">
               <a:rPr lang="en-US" smtClean="0"/>
-              <a:t>4/30/2023</a:t>
+              <a:t>5/1/23</a:t>
             </a:fld>
             <a:endParaRPr lang="en-US"/>
           </a:p>
@@ -461,7 +467,7 @@
           <a:p>
             <a:fld id="{60A75851-D58E-4D45-B7FD-728F0A4A5AE9}" type="datetimeFigureOut">
               <a:rPr lang="en-US" smtClean="0"/>
-              <a:t>4/30/2023</a:t>
+              <a:t>5/1/23</a:t>
             </a:fld>
             <a:endParaRPr lang="en-US"/>
           </a:p>
@@ -669,7 +675,7 @@
           <a:p>
             <a:fld id="{60A75851-D58E-4D45-B7FD-728F0A4A5AE9}" type="datetimeFigureOut">
               <a:rPr lang="en-US" smtClean="0"/>
-              <a:t>4/30/2023</a:t>
+              <a:t>5/1/23</a:t>
             </a:fld>
             <a:endParaRPr lang="en-US"/>
           </a:p>
@@ -867,7 +873,7 @@
           <a:p>
             <a:fld id="{60A75851-D58E-4D45-B7FD-728F0A4A5AE9}" type="datetimeFigureOut">
               <a:rPr lang="en-US" smtClean="0"/>
-              <a:t>4/30/2023</a:t>
+              <a:t>5/1/23</a:t>
             </a:fld>
             <a:endParaRPr lang="en-US"/>
           </a:p>
@@ -1142,7 +1148,7 @@
           <a:p>
             <a:fld id="{60A75851-D58E-4D45-B7FD-728F0A4A5AE9}" type="datetimeFigureOut">
               <a:rPr lang="en-US" smtClean="0"/>
-              <a:t>4/30/2023</a:t>
+              <a:t>5/1/23</a:t>
             </a:fld>
             <a:endParaRPr lang="en-US"/>
           </a:p>
@@ -1407,7 +1413,7 @@
           <a:p>
             <a:fld id="{60A75851-D58E-4D45-B7FD-728F0A4A5AE9}" type="datetimeFigureOut">
               <a:rPr lang="en-US" smtClean="0"/>
-              <a:t>4/30/2023</a:t>
+              <a:t>5/1/23</a:t>
             </a:fld>
             <a:endParaRPr lang="en-US"/>
           </a:p>
@@ -1819,7 +1825,7 @@
           <a:p>
             <a:fld id="{60A75851-D58E-4D45-B7FD-728F0A4A5AE9}" type="datetimeFigureOut">
               <a:rPr lang="en-US" smtClean="0"/>
-              <a:t>4/30/2023</a:t>
+              <a:t>5/1/23</a:t>
             </a:fld>
             <a:endParaRPr lang="en-US"/>
           </a:p>
@@ -1960,7 +1966,7 @@
           <a:p>
             <a:fld id="{60A75851-D58E-4D45-B7FD-728F0A4A5AE9}" type="datetimeFigureOut">
               <a:rPr lang="en-US" smtClean="0"/>
-              <a:t>4/30/2023</a:t>
+              <a:t>5/1/23</a:t>
             </a:fld>
             <a:endParaRPr lang="en-US"/>
           </a:p>
@@ -2073,7 +2079,7 @@
           <a:p>
             <a:fld id="{60A75851-D58E-4D45-B7FD-728F0A4A5AE9}" type="datetimeFigureOut">
               <a:rPr lang="en-US" smtClean="0"/>
-              <a:t>4/30/2023</a:t>
+              <a:t>5/1/23</a:t>
             </a:fld>
             <a:endParaRPr lang="en-US"/>
           </a:p>
@@ -2384,7 +2390,7 @@
           <a:p>
             <a:fld id="{60A75851-D58E-4D45-B7FD-728F0A4A5AE9}" type="datetimeFigureOut">
               <a:rPr lang="en-US" smtClean="0"/>
-              <a:t>4/30/2023</a:t>
+              <a:t>5/1/23</a:t>
             </a:fld>
             <a:endParaRPr lang="en-US"/>
           </a:p>
@@ -2672,7 +2678,7 @@
           <a:p>
             <a:fld id="{60A75851-D58E-4D45-B7FD-728F0A4A5AE9}" type="datetimeFigureOut">
               <a:rPr lang="en-US" smtClean="0"/>
-              <a:t>4/30/2023</a:t>
+              <a:t>5/1/23</a:t>
             </a:fld>
             <a:endParaRPr lang="en-US"/>
           </a:p>
@@ -2913,7 +2919,7 @@
           <a:p>
             <a:fld id="{60A75851-D58E-4D45-B7FD-728F0A4A5AE9}" type="datetimeFigureOut">
               <a:rPr lang="en-US" smtClean="0"/>
-              <a:t>4/30/2023</a:t>
+              <a:t>5/1/23</a:t>
             </a:fld>
             <a:endParaRPr lang="en-US"/>
           </a:p>
@@ -3482,6 +3488,157 @@
           <p:cNvPr id="2" name="Title 1">
             <a:extLst>
               <a:ext uri="{FF2B5EF4-FFF2-40B4-BE49-F238E27FC236}">
+                <a16:creationId xmlns:a16="http://schemas.microsoft.com/office/drawing/2014/main" id="{8DA84322-D3B4-C7CE-1034-88FBD1627429}"/>
+              </a:ext>
+            </a:extLst>
+          </p:cNvPr>
+          <p:cNvSpPr>
+            <a:spLocks noGrp="1"/>
+          </p:cNvSpPr>
+          <p:nvPr>
+            <p:ph type="title"/>
+          </p:nvPr>
+        </p:nvSpPr>
+        <p:spPr>
+          <a:xfrm>
+            <a:off x="560407" y="289627"/>
+            <a:ext cx="10515600" cy="1325563"/>
+          </a:xfrm>
+        </p:spPr>
+        <p:txBody>
+          <a:bodyPr/>
+          <a:lstStyle/>
+          <a:p>
+            <a:r>
+              <a:rPr lang="en-US" dirty="0"/>
+              <a:t>Industry Stability</a:t>
+            </a:r>
+          </a:p>
+        </p:txBody>
+      </p:sp>
+      <p:sp>
+        <p:nvSpPr>
+          <p:cNvPr id="3" name="Content Placeholder 2">
+            <a:extLst>
+              <a:ext uri="{FF2B5EF4-FFF2-40B4-BE49-F238E27FC236}">
+                <a16:creationId xmlns:a16="http://schemas.microsoft.com/office/drawing/2014/main" id="{1FDFF9A6-D174-6ADE-6EF5-A4AA7EF1E1DD}"/>
+              </a:ext>
+            </a:extLst>
+          </p:cNvPr>
+          <p:cNvSpPr>
+            <a:spLocks noGrp="1"/>
+          </p:cNvSpPr>
+          <p:nvPr>
+            <p:ph idx="1"/>
+          </p:nvPr>
+        </p:nvSpPr>
+        <p:spPr>
+          <a:xfrm>
+            <a:off x="673743" y="1597306"/>
+            <a:ext cx="10844514" cy="4895569"/>
+          </a:xfrm>
+        </p:spPr>
+        <p:txBody>
+          <a:bodyPr>
+            <a:normAutofit/>
+          </a:bodyPr>
+          <a:lstStyle/>
+          <a:p>
+            <a:r>
+              <a:rPr lang="en-US" sz="2400" b="1" kern="100" dirty="0">
+                <a:effectLst/>
+                <a:latin typeface="Calibri" panose="020F0502020204030204" pitchFamily="34" charset="0"/>
+                <a:ea typeface="DengXian" panose="02010600030101010101" pitchFamily="2" charset="-122"/>
+                <a:cs typeface="Times New Roman" panose="02020603050405020304" pitchFamily="18" charset="0"/>
+              </a:rPr>
+              <a:t>Earnings Stability: </a:t>
+            </a:r>
+            <a:r>
+              <a:rPr lang="en-US" sz="2400" kern="100" dirty="0">
+                <a:effectLst/>
+                <a:latin typeface="Calibri" panose="020F0502020204030204" pitchFamily="34" charset="0"/>
+                <a:ea typeface="DengXian" panose="02010600030101010101" pitchFamily="2" charset="-122"/>
+                <a:cs typeface="Times New Roman" panose="02020603050405020304" pitchFamily="18" charset="0"/>
+              </a:rPr>
+              <a:t>Examine the average earnings stability of companies within the industry by looking at historical earnings growth or the variability of earnings. A stable industry will typically have companies with more consistent earnings growth or less variability in earnings.</a:t>
+            </a:r>
+          </a:p>
+          <a:p>
+            <a:r>
+              <a:rPr lang="en-US" sz="2400" b="1" kern="100" dirty="0">
+                <a:effectLst/>
+                <a:latin typeface="Calibri" panose="020F0502020204030204" pitchFamily="34" charset="0"/>
+                <a:ea typeface="DengXian" panose="02010600030101010101" pitchFamily="2" charset="-122"/>
+                <a:cs typeface="Times New Roman" panose="02020603050405020304" pitchFamily="18" charset="0"/>
+              </a:rPr>
+              <a:t>Beta: </a:t>
+            </a:r>
+            <a:r>
+              <a:rPr lang="en-US" sz="2400" kern="100" dirty="0">
+                <a:effectLst/>
+                <a:latin typeface="Calibri" panose="020F0502020204030204" pitchFamily="34" charset="0"/>
+                <a:ea typeface="DengXian" panose="02010600030101010101" pitchFamily="2" charset="-122"/>
+                <a:cs typeface="Times New Roman" panose="02020603050405020304" pitchFamily="18" charset="0"/>
+              </a:rPr>
+              <a:t>Calculate the average beta of stocks within the industry. Beta measures a stock's volatility in relation to the overall market (usually represented by a market index like the S&amp;P 500). An industry with a lower average beta might be considered more stable than one with a higher average beta.</a:t>
+            </a:r>
+          </a:p>
+          <a:p>
+            <a:endParaRPr lang="en-US" kern="100" dirty="0">
+              <a:effectLst/>
+              <a:latin typeface="Calibri" panose="020F0502020204030204" pitchFamily="34" charset="0"/>
+              <a:ea typeface="DengXian" panose="02010600030101010101" pitchFamily="2" charset="-122"/>
+              <a:cs typeface="Times New Roman" panose="02020603050405020304" pitchFamily="18" charset="0"/>
+            </a:endParaRPr>
+          </a:p>
+          <a:p>
+            <a:endParaRPr lang="en-US" kern="100" dirty="0">
+              <a:effectLst/>
+              <a:latin typeface="Calibri" panose="020F0502020204030204" pitchFamily="34" charset="0"/>
+              <a:ea typeface="DengXian" panose="02010600030101010101" pitchFamily="2" charset="-122"/>
+              <a:cs typeface="Times New Roman" panose="02020603050405020304" pitchFamily="18" charset="0"/>
+            </a:endParaRPr>
+          </a:p>
+          <a:p>
+            <a:endParaRPr lang="en-US" dirty="0"/>
+          </a:p>
+        </p:txBody>
+      </p:sp>
+    </p:spTree>
+    <p:extLst>
+      <p:ext uri="{BB962C8B-B14F-4D97-AF65-F5344CB8AC3E}">
+        <p14:creationId xmlns:p14="http://schemas.microsoft.com/office/powerpoint/2010/main" val="1171670659"/>
+      </p:ext>
+    </p:extLst>
+  </p:cSld>
+  <p:clrMapOvr>
+    <a:masterClrMapping/>
+  </p:clrMapOvr>
+</p:sld>
+</file>
+
+<file path=ppt/slides/slide11.xml><?xml version="1.0" encoding="utf-8"?>
+<p:sld xmlns:a="http://schemas.openxmlformats.org/drawingml/2006/main" xmlns:r="http://schemas.openxmlformats.org/officeDocument/2006/relationships" xmlns:p="http://schemas.openxmlformats.org/presentationml/2006/main">
+  <p:cSld>
+    <p:spTree>
+      <p:nvGrpSpPr>
+        <p:cNvPr id="1" name=""/>
+        <p:cNvGrpSpPr/>
+        <p:nvPr/>
+      </p:nvGrpSpPr>
+      <p:grpSpPr>
+        <a:xfrm>
+          <a:off x="0" y="0"/>
+          <a:ext cx="0" cy="0"/>
+          <a:chOff x="0" y="0"/>
+          <a:chExt cx="0" cy="0"/>
+        </a:xfrm>
+      </p:grpSpPr>
+      <p:sp>
+        <p:nvSpPr>
+          <p:cNvPr id="2" name="Title 1">
+            <a:extLst>
+              <a:ext uri="{FF2B5EF4-FFF2-40B4-BE49-F238E27FC236}">
                 <a16:creationId xmlns:a16="http://schemas.microsoft.com/office/drawing/2014/main" id="{E73D9D3D-AF71-906B-E26B-66C465744E19}"/>
               </a:ext>
             </a:extLst>
@@ -4766,7 +4923,7 @@
           <p:cNvPr id="2" name="Title 1">
             <a:extLst>
               <a:ext uri="{FF2B5EF4-FFF2-40B4-BE49-F238E27FC236}">
-                <a16:creationId xmlns:a16="http://schemas.microsoft.com/office/drawing/2014/main" id="{8DA84322-D3B4-C7CE-1034-88FBD1627429}"/>
+                <a16:creationId xmlns:a16="http://schemas.microsoft.com/office/drawing/2014/main" id="{7A9D430D-6591-0323-315D-30C1DF5AEA44}"/>
               </a:ext>
             </a:extLst>
           </p:cNvPr>
@@ -4776,116 +4933,142 @@
           <p:nvPr>
             <p:ph type="title"/>
           </p:nvPr>
+        </p:nvSpPr>
+        <p:spPr/>
+        <p:txBody>
+          <a:bodyPr/>
+          <a:lstStyle/>
+          <a:p>
+            <a:r>
+              <a:rPr lang="en-US" dirty="0"/>
+              <a:t>10 Year Growth Analysis</a:t>
+            </a:r>
+          </a:p>
+        </p:txBody>
+      </p:sp>
+      <p:pic>
+        <p:nvPicPr>
+          <p:cNvPr id="1026" name="Picture 2">
+            <a:extLst>
+              <a:ext uri="{FF2B5EF4-FFF2-40B4-BE49-F238E27FC236}">
+                <a16:creationId xmlns:a16="http://schemas.microsoft.com/office/drawing/2014/main" id="{6F3B98A9-A4FF-8CB0-33CF-2CE67FF4C955}"/>
+              </a:ext>
+            </a:extLst>
+          </p:cNvPr>
+          <p:cNvPicPr>
+            <a:picLocks noGrp="1" noChangeAspect="1" noChangeArrowheads="1"/>
+          </p:cNvPicPr>
+          <p:nvPr>
+            <p:ph idx="1"/>
+          </p:nvPr>
+        </p:nvPicPr>
+        <p:blipFill>
+          <a:blip r:embed="rId2">
+            <a:extLst>
+              <a:ext uri="{28A0092B-C50C-407E-A947-70E740481C1C}">
+                <a14:useLocalDpi xmlns:a14="http://schemas.microsoft.com/office/drawing/2010/main" val="0"/>
+              </a:ext>
+            </a:extLst>
+          </a:blip>
+          <a:srcRect/>
+          <a:stretch>
+            <a:fillRect/>
+          </a:stretch>
+        </p:blipFill>
+        <p:spPr bwMode="auto">
+          <a:xfrm>
+            <a:off x="6842760" y="975360"/>
+            <a:ext cx="4886919" cy="4881563"/>
+          </a:xfrm>
+          <a:prstGeom prst="rect">
+            <a:avLst/>
+          </a:prstGeom>
+          <a:noFill/>
+          <a:extLst>
+            <a:ext uri="{909E8E84-426E-40DD-AFC4-6F175D3DCCD1}">
+              <a14:hiddenFill xmlns:a14="http://schemas.microsoft.com/office/drawing/2010/main">
+                <a:solidFill>
+                  <a:srgbClr val="FFFFFF"/>
+                </a:solidFill>
+              </a14:hiddenFill>
+            </a:ext>
+          </a:extLst>
+        </p:spPr>
+      </p:pic>
+      <p:sp>
+        <p:nvSpPr>
+          <p:cNvPr id="5" name="TextBox 4">
+            <a:extLst>
+              <a:ext uri="{FF2B5EF4-FFF2-40B4-BE49-F238E27FC236}">
+                <a16:creationId xmlns:a16="http://schemas.microsoft.com/office/drawing/2014/main" id="{CFE7B743-ABA3-0250-FDA2-8E39828DBBA5}"/>
+              </a:ext>
+            </a:extLst>
+          </p:cNvPr>
+          <p:cNvSpPr txBox="1"/>
+          <p:nvPr/>
         </p:nvSpPr>
         <p:spPr>
           <a:xfrm>
-            <a:off x="560407" y="289627"/>
-            <a:ext cx="10515600" cy="1325563"/>
+            <a:off x="462321" y="1798320"/>
+            <a:ext cx="5481279" cy="923330"/>
           </a:xfrm>
+          <a:prstGeom prst="rect">
+            <a:avLst/>
+          </a:prstGeom>
+          <a:noFill/>
         </p:spPr>
         <p:txBody>
-          <a:bodyPr/>
+          <a:bodyPr wrap="square" rtlCol="0">
+            <a:spAutoFit/>
+          </a:bodyPr>
           <a:lstStyle/>
           <a:p>
             <a:r>
               <a:rPr lang="en-US" dirty="0"/>
-              <a:t>Industry Stability</a:t>
-            </a:r>
-          </a:p>
-        </p:txBody>
-      </p:sp>
-      <p:sp>
-        <p:nvSpPr>
-          <p:cNvPr id="3" name="Content Placeholder 2">
-            <a:extLst>
-              <a:ext uri="{FF2B5EF4-FFF2-40B4-BE49-F238E27FC236}">
-                <a16:creationId xmlns:a16="http://schemas.microsoft.com/office/drawing/2014/main" id="{1FDFF9A6-D174-6ADE-6EF5-A4AA7EF1E1DD}"/>
-              </a:ext>
-            </a:extLst>
-          </p:cNvPr>
-          <p:cNvSpPr>
-            <a:spLocks noGrp="1"/>
-          </p:cNvSpPr>
-          <p:nvPr>
-            <p:ph idx="1"/>
-          </p:nvPr>
+              <a:t>After breaking down the stocks in the S&amp;P 500 by Sector, we did a quick analysis to see which sector grew the most over the past 10 years</a:t>
+            </a:r>
+          </a:p>
+        </p:txBody>
+      </p:sp>
+      <p:sp>
+        <p:nvSpPr>
+          <p:cNvPr id="7" name="TextBox 6">
+            <a:extLst>
+              <a:ext uri="{FF2B5EF4-FFF2-40B4-BE49-F238E27FC236}">
+                <a16:creationId xmlns:a16="http://schemas.microsoft.com/office/drawing/2014/main" id="{1C407A35-1E91-0739-B65D-A2E0B23F3B16}"/>
+              </a:ext>
+            </a:extLst>
+          </p:cNvPr>
+          <p:cNvSpPr txBox="1"/>
+          <p:nvPr/>
         </p:nvSpPr>
         <p:spPr>
           <a:xfrm>
-            <a:off x="673743" y="1597306"/>
-            <a:ext cx="10844514" cy="4895569"/>
+            <a:off x="462322" y="3246120"/>
+            <a:ext cx="5481278" cy="646331"/>
           </a:xfrm>
+          <a:prstGeom prst="rect">
+            <a:avLst/>
+          </a:prstGeom>
+          <a:noFill/>
         </p:spPr>
         <p:txBody>
-          <a:bodyPr>
-            <a:normAutofit/>
+          <a:bodyPr wrap="square" rtlCol="0">
+            <a:spAutoFit/>
           </a:bodyPr>
           <a:lstStyle/>
           <a:p>
             <a:r>
-              <a:rPr lang="en-US" sz="2400" b="1" kern="100" dirty="0">
-                <a:effectLst/>
-                <a:latin typeface="Calibri" panose="020F0502020204030204" pitchFamily="34" charset="0"/>
-                <a:ea typeface="DengXian" panose="02010600030101010101" pitchFamily="2" charset="-122"/>
-                <a:cs typeface="Times New Roman" panose="02020603050405020304" pitchFamily="18" charset="0"/>
-              </a:rPr>
-              <a:t>Earnings Stability: </a:t>
-            </a:r>
-            <a:r>
-              <a:rPr lang="en-US" sz="2400" kern="100" dirty="0">
-                <a:effectLst/>
-                <a:latin typeface="Calibri" panose="020F0502020204030204" pitchFamily="34" charset="0"/>
-                <a:ea typeface="DengXian" panose="02010600030101010101" pitchFamily="2" charset="-122"/>
-                <a:cs typeface="Times New Roman" panose="02020603050405020304" pitchFamily="18" charset="0"/>
-              </a:rPr>
-              <a:t>Examine the average earnings stability of companies within the industry by looking at historical earnings growth or the variability of earnings. A stable industry will typically have companies with more consistent earnings growth or less variability in earnings.</a:t>
-            </a:r>
-          </a:p>
-          <a:p>
-            <a:r>
-              <a:rPr lang="en-US" sz="2400" b="1" kern="100" dirty="0">
-                <a:effectLst/>
-                <a:latin typeface="Calibri" panose="020F0502020204030204" pitchFamily="34" charset="0"/>
-                <a:ea typeface="DengXian" panose="02010600030101010101" pitchFamily="2" charset="-122"/>
-                <a:cs typeface="Times New Roman" panose="02020603050405020304" pitchFamily="18" charset="0"/>
-              </a:rPr>
-              <a:t>Beta: </a:t>
-            </a:r>
-            <a:r>
-              <a:rPr lang="en-US" sz="2400" kern="100" dirty="0">
-                <a:effectLst/>
-                <a:latin typeface="Calibri" panose="020F0502020204030204" pitchFamily="34" charset="0"/>
-                <a:ea typeface="DengXian" panose="02010600030101010101" pitchFamily="2" charset="-122"/>
-                <a:cs typeface="Times New Roman" panose="02020603050405020304" pitchFamily="18" charset="0"/>
-              </a:rPr>
-              <a:t>Calculate the average beta of stocks within the industry. Beta measures a stock's volatility in relation to the overall market (usually represented by a market index like the S&amp;P 500). An industry with a lower average beta might be considered more stable than one with a higher average beta.</a:t>
-            </a:r>
-          </a:p>
-          <a:p>
-            <a:endParaRPr lang="en-US" kern="100" dirty="0">
-              <a:effectLst/>
-              <a:latin typeface="Calibri" panose="020F0502020204030204" pitchFamily="34" charset="0"/>
-              <a:ea typeface="DengXian" panose="02010600030101010101" pitchFamily="2" charset="-122"/>
-              <a:cs typeface="Times New Roman" panose="02020603050405020304" pitchFamily="18" charset="0"/>
-            </a:endParaRPr>
-          </a:p>
-          <a:p>
-            <a:endParaRPr lang="en-US" kern="100" dirty="0">
-              <a:effectLst/>
-              <a:latin typeface="Calibri" panose="020F0502020204030204" pitchFamily="34" charset="0"/>
-              <a:ea typeface="DengXian" panose="02010600030101010101" pitchFamily="2" charset="-122"/>
-              <a:cs typeface="Times New Roman" panose="02020603050405020304" pitchFamily="18" charset="0"/>
-            </a:endParaRPr>
-          </a:p>
-          <a:p>
-            <a:endParaRPr lang="en-US" dirty="0"/>
+              <a:rPr lang="en-US" dirty="0"/>
+              <a:t>We don’t have exact data on volatility but, as shown in the previous slide, IT tends to be the most volatile</a:t>
+            </a:r>
           </a:p>
         </p:txBody>
       </p:sp>
     </p:spTree>
     <p:extLst>
       <p:ext uri="{BB962C8B-B14F-4D97-AF65-F5344CB8AC3E}">
-        <p14:creationId xmlns:p14="http://schemas.microsoft.com/office/powerpoint/2010/main" val="1171670659"/>
+        <p14:creationId xmlns:p14="http://schemas.microsoft.com/office/powerpoint/2010/main" val="731193045"/>
       </p:ext>
     </p:extLst>
   </p:cSld>

--- a/Presentation1.pptx
+++ b/Presentation1.pptx
@@ -12,10 +12,13 @@
     <p:sldId id="259" r:id="rId6"/>
     <p:sldId id="262" r:id="rId7"/>
     <p:sldId id="265" r:id="rId8"/>
-    <p:sldId id="261" r:id="rId9"/>
-    <p:sldId id="267" r:id="rId10"/>
-    <p:sldId id="258" r:id="rId11"/>
-    <p:sldId id="260" r:id="rId12"/>
+    <p:sldId id="267" r:id="rId9"/>
+    <p:sldId id="269" r:id="rId10"/>
+    <p:sldId id="268" r:id="rId11"/>
+    <p:sldId id="258" r:id="rId12"/>
+    <p:sldId id="261" r:id="rId13"/>
+    <p:sldId id="260" r:id="rId14"/>
+    <p:sldId id="270" r:id="rId15"/>
   </p:sldIdLst>
   <p:sldSz cx="12192000" cy="6858000"/>
   <p:notesSz cx="6858000" cy="9144000"/>
@@ -269,7 +272,7 @@
           <a:p>
             <a:fld id="{60A75851-D58E-4D45-B7FD-728F0A4A5AE9}" type="datetimeFigureOut">
               <a:rPr lang="en-US" smtClean="0"/>
-              <a:t>5/1/23</a:t>
+              <a:t>5/1/2023</a:t>
             </a:fld>
             <a:endParaRPr lang="en-US"/>
           </a:p>
@@ -467,7 +470,7 @@
           <a:p>
             <a:fld id="{60A75851-D58E-4D45-B7FD-728F0A4A5AE9}" type="datetimeFigureOut">
               <a:rPr lang="en-US" smtClean="0"/>
-              <a:t>5/1/23</a:t>
+              <a:t>5/1/2023</a:t>
             </a:fld>
             <a:endParaRPr lang="en-US"/>
           </a:p>
@@ -675,7 +678,7 @@
           <a:p>
             <a:fld id="{60A75851-D58E-4D45-B7FD-728F0A4A5AE9}" type="datetimeFigureOut">
               <a:rPr lang="en-US" smtClean="0"/>
-              <a:t>5/1/23</a:t>
+              <a:t>5/1/2023</a:t>
             </a:fld>
             <a:endParaRPr lang="en-US"/>
           </a:p>
@@ -873,7 +876,7 @@
           <a:p>
             <a:fld id="{60A75851-D58E-4D45-B7FD-728F0A4A5AE9}" type="datetimeFigureOut">
               <a:rPr lang="en-US" smtClean="0"/>
-              <a:t>5/1/23</a:t>
+              <a:t>5/1/2023</a:t>
             </a:fld>
             <a:endParaRPr lang="en-US"/>
           </a:p>
@@ -1148,7 +1151,7 @@
           <a:p>
             <a:fld id="{60A75851-D58E-4D45-B7FD-728F0A4A5AE9}" type="datetimeFigureOut">
               <a:rPr lang="en-US" smtClean="0"/>
-              <a:t>5/1/23</a:t>
+              <a:t>5/1/2023</a:t>
             </a:fld>
             <a:endParaRPr lang="en-US"/>
           </a:p>
@@ -1413,7 +1416,7 @@
           <a:p>
             <a:fld id="{60A75851-D58E-4D45-B7FD-728F0A4A5AE9}" type="datetimeFigureOut">
               <a:rPr lang="en-US" smtClean="0"/>
-              <a:t>5/1/23</a:t>
+              <a:t>5/1/2023</a:t>
             </a:fld>
             <a:endParaRPr lang="en-US"/>
           </a:p>
@@ -1825,7 +1828,7 @@
           <a:p>
             <a:fld id="{60A75851-D58E-4D45-B7FD-728F0A4A5AE9}" type="datetimeFigureOut">
               <a:rPr lang="en-US" smtClean="0"/>
-              <a:t>5/1/23</a:t>
+              <a:t>5/1/2023</a:t>
             </a:fld>
             <a:endParaRPr lang="en-US"/>
           </a:p>
@@ -1966,7 +1969,7 @@
           <a:p>
             <a:fld id="{60A75851-D58E-4D45-B7FD-728F0A4A5AE9}" type="datetimeFigureOut">
               <a:rPr lang="en-US" smtClean="0"/>
-              <a:t>5/1/23</a:t>
+              <a:t>5/1/2023</a:t>
             </a:fld>
             <a:endParaRPr lang="en-US"/>
           </a:p>
@@ -2079,7 +2082,7 @@
           <a:p>
             <a:fld id="{60A75851-D58E-4D45-B7FD-728F0A4A5AE9}" type="datetimeFigureOut">
               <a:rPr lang="en-US" smtClean="0"/>
-              <a:t>5/1/23</a:t>
+              <a:t>5/1/2023</a:t>
             </a:fld>
             <a:endParaRPr lang="en-US"/>
           </a:p>
@@ -2390,7 +2393,7 @@
           <a:p>
             <a:fld id="{60A75851-D58E-4D45-B7FD-728F0A4A5AE9}" type="datetimeFigureOut">
               <a:rPr lang="en-US" smtClean="0"/>
-              <a:t>5/1/23</a:t>
+              <a:t>5/1/2023</a:t>
             </a:fld>
             <a:endParaRPr lang="en-US"/>
           </a:p>
@@ -2678,7 +2681,7 @@
           <a:p>
             <a:fld id="{60A75851-D58E-4D45-B7FD-728F0A4A5AE9}" type="datetimeFigureOut">
               <a:rPr lang="en-US" smtClean="0"/>
-              <a:t>5/1/23</a:t>
+              <a:t>5/1/2023</a:t>
             </a:fld>
             <a:endParaRPr lang="en-US"/>
           </a:p>
@@ -2919,7 +2922,7 @@
           <a:p>
             <a:fld id="{60A75851-D58E-4D45-B7FD-728F0A4A5AE9}" type="datetimeFigureOut">
               <a:rPr lang="en-US" smtClean="0"/>
-              <a:t>5/1/23</a:t>
+              <a:t>5/1/2023</a:t>
             </a:fld>
             <a:endParaRPr lang="en-US"/>
           </a:p>
@@ -3485,14 +3488,14 @@
       </p:grpSpPr>
       <p:sp>
         <p:nvSpPr>
-          <p:cNvPr id="2" name="Title 1">
-            <a:extLst>
-              <a:ext uri="{FF2B5EF4-FFF2-40B4-BE49-F238E27FC236}">
-                <a16:creationId xmlns:a16="http://schemas.microsoft.com/office/drawing/2014/main" id="{8DA84322-D3B4-C7CE-1034-88FBD1627429}"/>
-              </a:ext>
-            </a:extLst>
-          </p:cNvPr>
-          <p:cNvSpPr>
+          <p:cNvPr id="4" name="Title 3">
+            <a:extLst>
+              <a:ext uri="{FF2B5EF4-FFF2-40B4-BE49-F238E27FC236}">
+                <a16:creationId xmlns:a16="http://schemas.microsoft.com/office/drawing/2014/main" id="{9CC13D44-27D2-D6AC-BF45-CD436CE72CBA}"/>
+              </a:ext>
+            </a:extLst>
+          </p:cNvPr>
+          <p:cNvSpPr txBox="1">
             <a:spLocks noGrp="1"/>
           </p:cNvSpPr>
           <p:nvPr>
@@ -3501,113 +3504,193 @@
         </p:nvSpPr>
         <p:spPr>
           <a:xfrm>
-            <a:off x="560407" y="289627"/>
-            <a:ext cx="10515600" cy="1325563"/>
+            <a:off x="509726" y="760141"/>
+            <a:ext cx="10515600" cy="535531"/>
           </a:xfrm>
+          <a:prstGeom prst="rect">
+            <a:avLst/>
+          </a:prstGeom>
+          <a:noFill/>
         </p:spPr>
         <p:txBody>
-          <a:bodyPr/>
-          <a:lstStyle/>
-          <a:p>
-            <a:r>
-              <a:rPr lang="en-US" dirty="0"/>
-              <a:t>Industry Stability</a:t>
-            </a:r>
-          </a:p>
-        </p:txBody>
-      </p:sp>
-      <p:sp>
-        <p:nvSpPr>
-          <p:cNvPr id="3" name="Content Placeholder 2">
-            <a:extLst>
-              <a:ext uri="{FF2B5EF4-FFF2-40B4-BE49-F238E27FC236}">
-                <a16:creationId xmlns:a16="http://schemas.microsoft.com/office/drawing/2014/main" id="{1FDFF9A6-D174-6ADE-6EF5-A4AA7EF1E1DD}"/>
-              </a:ext>
-            </a:extLst>
-          </p:cNvPr>
-          <p:cNvSpPr>
-            <a:spLocks noGrp="1"/>
-          </p:cNvSpPr>
-          <p:nvPr>
-            <p:ph idx="1"/>
-          </p:nvPr>
-        </p:nvSpPr>
-        <p:spPr>
+          <a:bodyPr wrap="square" rtlCol="0">
+            <a:spAutoFit/>
+          </a:bodyPr>
+          <a:lstStyle/>
+          <a:p>
+            <a:r>
+              <a:rPr lang="en-US" sz="3200" b="1" dirty="0"/>
+              <a:t>Best Returned Companies in Each Sectors (2013-2023)</a:t>
+            </a:r>
+          </a:p>
+        </p:txBody>
+      </p:sp>
+      <p:sp>
+        <p:nvSpPr>
+          <p:cNvPr id="6" name="Rectangle 1">
+            <a:extLst>
+              <a:ext uri="{FF2B5EF4-FFF2-40B4-BE49-F238E27FC236}">
+                <a16:creationId xmlns:a16="http://schemas.microsoft.com/office/drawing/2014/main" id="{37CBD8DC-82BF-4D9A-A61B-1D105996ADC7}"/>
+              </a:ext>
+            </a:extLst>
+          </p:cNvPr>
+          <p:cNvSpPr>
+            <a:spLocks noChangeArrowheads="1"/>
+          </p:cNvSpPr>
+          <p:nvPr/>
+        </p:nvSpPr>
+        <p:spPr bwMode="auto">
           <a:xfrm>
-            <a:off x="673743" y="1597306"/>
-            <a:ext cx="10844514" cy="4895569"/>
+            <a:off x="232328" y="2895703"/>
+            <a:ext cx="12886481" cy="169277"/>
           </a:xfrm>
+          <a:prstGeom prst="rect">
+            <a:avLst/>
+          </a:prstGeom>
+          <a:solidFill>
+            <a:srgbClr val="FFFFFF"/>
+          </a:solidFill>
+          <a:ln>
+            <a:noFill/>
+          </a:ln>
+          <a:effectLst/>
+          <a:extLst>
+            <a:ext uri="{91240B29-F687-4F45-9708-019B960494DF}">
+              <a14:hiddenLine xmlns:a14="http://schemas.microsoft.com/office/drawing/2010/main" w="9525">
+                <a:solidFill>
+                  <a:schemeClr val="tx1"/>
+                </a:solidFill>
+                <a:miter lim="800000"/>
+                <a:headEnd/>
+                <a:tailEnd/>
+              </a14:hiddenLine>
+            </a:ext>
+            <a:ext uri="{AF507438-7753-43E0-B8FC-AC1667EBCBE1}">
+              <a14:hiddenEffects xmlns:a14="http://schemas.microsoft.com/office/drawing/2010/main">
+                <a:effectLst>
+                  <a:outerShdw dist="35921" dir="2700000" algn="ctr" rotWithShape="0">
+                    <a:schemeClr val="bg2"/>
+                  </a:outerShdw>
+                </a:effectLst>
+              </a14:hiddenEffects>
+            </a:ext>
+          </a:extLst>
         </p:spPr>
         <p:txBody>
-          <a:bodyPr>
-            <a:normAutofit/>
+          <a:bodyPr vert="horz" wrap="square" lIns="0" tIns="0" rIns="0" bIns="0" numCol="1" anchor="ctr" anchorCtr="0" compatLnSpc="1">
+            <a:prstTxWarp prst="textNoShape">
+              <a:avLst/>
+            </a:prstTxWarp>
+            <a:spAutoFit/>
           </a:bodyPr>
           <a:lstStyle/>
           <a:p>
-            <a:r>
-              <a:rPr lang="en-US" sz="2400" b="1" kern="100" dirty="0">
+            <a:pPr marL="0" marR="0" lvl="0" indent="0" algn="l" defTabSz="914400" rtl="0" eaLnBrk="0" fontAlgn="base" latinLnBrk="0" hangingPunct="0">
+              <a:lnSpc>
+                <a:spcPct val="100000"/>
+              </a:lnSpc>
+              <a:spcBef>
+                <a:spcPct val="0"/>
+              </a:spcBef>
+              <a:spcAft>
+                <a:spcPct val="0"/>
+              </a:spcAft>
+              <a:buClrTx/>
+              <a:buSzTx/>
+              <a:buFontTx/>
+              <a:buNone/>
+              <a:tabLst/>
+            </a:pPr>
+            <a:r>
+              <a:rPr kumimoji="0" lang="en-US" altLang="en-US" sz="1100" b="0" i="0" u="none" strike="noStrike" cap="none" normalizeH="0" baseline="0" dirty="0">
+                <a:ln>
+                  <a:noFill/>
+                </a:ln>
+                <a:solidFill>
+                  <a:srgbClr val="000000"/>
+                </a:solidFill>
                 <a:effectLst/>
-                <a:latin typeface="Calibri" panose="020F0502020204030204" pitchFamily="34" charset="0"/>
-                <a:ea typeface="DengXian" panose="02010600030101010101" pitchFamily="2" charset="-122"/>
-                <a:cs typeface="Times New Roman" panose="02020603050405020304" pitchFamily="18" charset="0"/>
+                <a:latin typeface="Arial Unicode MS"/>
+                <a:ea typeface="Courier New" panose="02070309020205020404" pitchFamily="49" charset="0"/>
               </a:rPr>
-              <a:t>Earnings Stability: </a:t>
-            </a:r>
-            <a:r>
-              <a:rPr lang="en-US" sz="2400" kern="100" dirty="0">
+              <a:t>'Communication Services', 'Consumer Discretionary', 'Consumer Staples', 'Energy', 'Financials', 'Health Care', 'Industrials', 'Information Technology', 'Materials', 'Real Estate', 'Utilities'</a:t>
+            </a:r>
+            <a:r>
+              <a:rPr kumimoji="0" lang="en-US" altLang="en-US" sz="1000" b="0" i="0" u="none" strike="noStrike" cap="none" normalizeH="0" baseline="0" dirty="0">
+                <a:ln>
+                  <a:noFill/>
+                </a:ln>
+                <a:solidFill>
+                  <a:schemeClr val="tx1"/>
+                </a:solidFill>
                 <a:effectLst/>
-                <a:latin typeface="Calibri" panose="020F0502020204030204" pitchFamily="34" charset="0"/>
-                <a:ea typeface="DengXian" panose="02010600030101010101" pitchFamily="2" charset="-122"/>
-                <a:cs typeface="Times New Roman" panose="02020603050405020304" pitchFamily="18" charset="0"/>
               </a:rPr>
-              <a:t>Examine the average earnings stability of companies within the industry by looking at historical earnings growth or the variability of earnings. A stable industry will typically have companies with more consistent earnings growth or less variability in earnings.</a:t>
-            </a:r>
-          </a:p>
-          <a:p>
-            <a:r>
-              <a:rPr lang="en-US" sz="2400" b="1" kern="100" dirty="0">
-                <a:effectLst/>
-                <a:latin typeface="Calibri" panose="020F0502020204030204" pitchFamily="34" charset="0"/>
-                <a:ea typeface="DengXian" panose="02010600030101010101" pitchFamily="2" charset="-122"/>
-                <a:cs typeface="Times New Roman" panose="02020603050405020304" pitchFamily="18" charset="0"/>
-              </a:rPr>
-              <a:t>Beta: </a:t>
-            </a:r>
-            <a:r>
-              <a:rPr lang="en-US" sz="2400" kern="100" dirty="0">
-                <a:effectLst/>
-                <a:latin typeface="Calibri" panose="020F0502020204030204" pitchFamily="34" charset="0"/>
-                <a:ea typeface="DengXian" panose="02010600030101010101" pitchFamily="2" charset="-122"/>
-                <a:cs typeface="Times New Roman" panose="02020603050405020304" pitchFamily="18" charset="0"/>
-              </a:rPr>
-              <a:t>Calculate the average beta of stocks within the industry. Beta measures a stock's volatility in relation to the overall market (usually represented by a market index like the S&amp;P 500). An industry with a lower average beta might be considered more stable than one with a higher average beta.</a:t>
-            </a:r>
-          </a:p>
-          <a:p>
-            <a:endParaRPr lang="en-US" kern="100" dirty="0">
+              <a:t> </a:t>
+            </a:r>
+            <a:endParaRPr kumimoji="0" lang="en-US" altLang="en-US" sz="2400" b="0" i="0" u="none" strike="noStrike" cap="none" normalizeH="0" baseline="0" dirty="0">
+              <a:ln>
+                <a:noFill/>
+              </a:ln>
+              <a:solidFill>
+                <a:schemeClr val="tx1"/>
+              </a:solidFill>
               <a:effectLst/>
-              <a:latin typeface="Calibri" panose="020F0502020204030204" pitchFamily="34" charset="0"/>
-              <a:ea typeface="DengXian" panose="02010600030101010101" pitchFamily="2" charset="-122"/>
-              <a:cs typeface="Times New Roman" panose="02020603050405020304" pitchFamily="18" charset="0"/>
+              <a:latin typeface="Arial" panose="020B0604020202020204" pitchFamily="34" charset="0"/>
             </a:endParaRPr>
           </a:p>
-          <a:p>
-            <a:endParaRPr lang="en-US" kern="100" dirty="0">
-              <a:effectLst/>
-              <a:latin typeface="Calibri" panose="020F0502020204030204" pitchFamily="34" charset="0"/>
-              <a:ea typeface="DengXian" panose="02010600030101010101" pitchFamily="2" charset="-122"/>
-              <a:cs typeface="Times New Roman" panose="02020603050405020304" pitchFamily="18" charset="0"/>
-            </a:endParaRPr>
-          </a:p>
-          <a:p>
-            <a:endParaRPr lang="en-US" dirty="0"/>
-          </a:p>
-        </p:txBody>
-      </p:sp>
+        </p:txBody>
+      </p:sp>
+      <p:pic>
+        <p:nvPicPr>
+          <p:cNvPr id="1030" name="Picture 6">
+            <a:extLst>
+              <a:ext uri="{FF2B5EF4-FFF2-40B4-BE49-F238E27FC236}">
+                <a16:creationId xmlns:a16="http://schemas.microsoft.com/office/drawing/2014/main" id="{51585B37-3BB2-F90E-E8F8-D90C06788843}"/>
+              </a:ext>
+            </a:extLst>
+          </p:cNvPr>
+          <p:cNvPicPr>
+            <a:picLocks noChangeAspect="1" noChangeArrowheads="1"/>
+          </p:cNvPicPr>
+          <p:nvPr/>
+        </p:nvPicPr>
+        <p:blipFill>
+          <a:blip r:embed="rId2">
+            <a:extLst>
+              <a:ext uri="{28A0092B-C50C-407E-A947-70E740481C1C}">
+                <a14:useLocalDpi xmlns:a14="http://schemas.microsoft.com/office/drawing/2010/main" val="0"/>
+              </a:ext>
+            </a:extLst>
+          </a:blip>
+          <a:srcRect/>
+          <a:stretch>
+            <a:fillRect/>
+          </a:stretch>
+        </p:blipFill>
+        <p:spPr bwMode="auto">
+          <a:xfrm>
+            <a:off x="0" y="3180334"/>
+            <a:ext cx="12192000" cy="2984500"/>
+          </a:xfrm>
+          <a:prstGeom prst="rect">
+            <a:avLst/>
+          </a:prstGeom>
+          <a:noFill/>
+          <a:extLst>
+            <a:ext uri="{909E8E84-426E-40DD-AFC4-6F175D3DCCD1}">
+              <a14:hiddenFill xmlns:a14="http://schemas.microsoft.com/office/drawing/2010/main">
+                <a:solidFill>
+                  <a:srgbClr val="FFFFFF"/>
+                </a:solidFill>
+              </a14:hiddenFill>
+            </a:ext>
+          </a:extLst>
+        </p:spPr>
+      </p:pic>
     </p:spTree>
     <p:extLst>
       <p:ext uri="{BB962C8B-B14F-4D97-AF65-F5344CB8AC3E}">
-        <p14:creationId xmlns:p14="http://schemas.microsoft.com/office/powerpoint/2010/main" val="1171670659"/>
+        <p14:creationId xmlns:p14="http://schemas.microsoft.com/office/powerpoint/2010/main" val="801958774"/>
       </p:ext>
     </p:extLst>
   </p:cSld>
@@ -3639,7 +3722,7 @@
           <p:cNvPr id="2" name="Title 1">
             <a:extLst>
               <a:ext uri="{FF2B5EF4-FFF2-40B4-BE49-F238E27FC236}">
-                <a16:creationId xmlns:a16="http://schemas.microsoft.com/office/drawing/2014/main" id="{E73D9D3D-AF71-906B-E26B-66C465744E19}"/>
+                <a16:creationId xmlns:a16="http://schemas.microsoft.com/office/drawing/2014/main" id="{8DA84322-D3B4-C7CE-1034-88FBD1627429}"/>
               </a:ext>
             </a:extLst>
           </p:cNvPr>
@@ -3652,7 +3735,7 @@
         </p:nvSpPr>
         <p:spPr>
           <a:xfrm>
-            <a:off x="398362" y="203080"/>
+            <a:off x="560407" y="289627"/>
             <a:ext cx="10515600" cy="1325563"/>
           </a:xfrm>
         </p:spPr>
@@ -3662,17 +3745,151 @@
           <a:p>
             <a:r>
               <a:rPr lang="en-US" dirty="0"/>
-              <a:t>Weighted Yearly Moving</a:t>
+              <a:t>Industry Stability</a:t>
+            </a:r>
+          </a:p>
+        </p:txBody>
+      </p:sp>
+      <p:sp>
+        <p:nvSpPr>
+          <p:cNvPr id="3" name="Content Placeholder 2">
+            <a:extLst>
+              <a:ext uri="{FF2B5EF4-FFF2-40B4-BE49-F238E27FC236}">
+                <a16:creationId xmlns:a16="http://schemas.microsoft.com/office/drawing/2014/main" id="{1FDFF9A6-D174-6ADE-6EF5-A4AA7EF1E1DD}"/>
+              </a:ext>
+            </a:extLst>
+          </p:cNvPr>
+          <p:cNvSpPr>
+            <a:spLocks noGrp="1"/>
+          </p:cNvSpPr>
+          <p:nvPr>
+            <p:ph idx="1"/>
+          </p:nvPr>
+        </p:nvSpPr>
+        <p:spPr>
+          <a:xfrm>
+            <a:off x="673743" y="1597306"/>
+            <a:ext cx="10844514" cy="4895569"/>
+          </a:xfrm>
+        </p:spPr>
+        <p:txBody>
+          <a:bodyPr>
+            <a:normAutofit/>
+          </a:bodyPr>
+          <a:lstStyle/>
+          <a:p>
+            <a:r>
+              <a:rPr lang="en-US" sz="2400" b="1" kern="100" dirty="0">
+                <a:effectLst/>
+                <a:latin typeface="Calibri" panose="020F0502020204030204" pitchFamily="34" charset="0"/>
+                <a:ea typeface="DengXian" panose="02010600030101010101" pitchFamily="2" charset="-122"/>
+                <a:cs typeface="Times New Roman" panose="02020603050405020304" pitchFamily="18" charset="0"/>
+              </a:rPr>
+              <a:t>Earnings Stability: </a:t>
+            </a:r>
+            <a:r>
+              <a:rPr lang="en-US" sz="2400" kern="100" dirty="0">
+                <a:effectLst/>
+                <a:latin typeface="Calibri" panose="020F0502020204030204" pitchFamily="34" charset="0"/>
+                <a:ea typeface="DengXian" panose="02010600030101010101" pitchFamily="2" charset="-122"/>
+                <a:cs typeface="Times New Roman" panose="02020603050405020304" pitchFamily="18" charset="0"/>
+              </a:rPr>
+              <a:t>Examine the average earnings stability of companies within the industry by looking at historical earnings growth or the variability of earnings. A stable industry will typically have companies with more consistent earnings growth or less variability in earnings.</a:t>
+            </a:r>
+          </a:p>
+          <a:p>
+            <a:r>
+              <a:rPr lang="en-US" sz="2400" b="1" kern="100" dirty="0">
+                <a:latin typeface="Calibri" panose="020F0502020204030204" pitchFamily="34" charset="0"/>
+                <a:ea typeface="DengXian" panose="02010600030101010101" pitchFamily="2" charset="-122"/>
+                <a:cs typeface="Times New Roman" panose="02020603050405020304" pitchFamily="18" charset="0"/>
+              </a:rPr>
+              <a:t>Moving Stability</a:t>
+            </a:r>
+            <a:endParaRPr lang="en-US" kern="100" dirty="0">
+              <a:effectLst/>
+              <a:latin typeface="Calibri" panose="020F0502020204030204" pitchFamily="34" charset="0"/>
+              <a:ea typeface="DengXian" panose="02010600030101010101" pitchFamily="2" charset="-122"/>
+              <a:cs typeface="Times New Roman" panose="02020603050405020304" pitchFamily="18" charset="0"/>
+            </a:endParaRPr>
+          </a:p>
+          <a:p>
+            <a:endParaRPr lang="en-US" kern="100" dirty="0">
+              <a:effectLst/>
+              <a:latin typeface="Calibri" panose="020F0502020204030204" pitchFamily="34" charset="0"/>
+              <a:ea typeface="DengXian" panose="02010600030101010101" pitchFamily="2" charset="-122"/>
+              <a:cs typeface="Times New Roman" panose="02020603050405020304" pitchFamily="18" charset="0"/>
+            </a:endParaRPr>
+          </a:p>
+          <a:p>
+            <a:endParaRPr lang="en-US" dirty="0"/>
+          </a:p>
+        </p:txBody>
+      </p:sp>
+    </p:spTree>
+    <p:extLst>
+      <p:ext uri="{BB962C8B-B14F-4D97-AF65-F5344CB8AC3E}">
+        <p14:creationId xmlns:p14="http://schemas.microsoft.com/office/powerpoint/2010/main" val="1171670659"/>
+      </p:ext>
+    </p:extLst>
+  </p:cSld>
+  <p:clrMapOvr>
+    <a:masterClrMapping/>
+  </p:clrMapOvr>
+</p:sld>
+</file>
+
+<file path=ppt/slides/slide12.xml><?xml version="1.0" encoding="utf-8"?>
+<p:sld xmlns:a="http://schemas.openxmlformats.org/drawingml/2006/main" xmlns:r="http://schemas.openxmlformats.org/officeDocument/2006/relationships" xmlns:p="http://schemas.openxmlformats.org/presentationml/2006/main">
+  <p:cSld>
+    <p:spTree>
+      <p:nvGrpSpPr>
+        <p:cNvPr id="1" name=""/>
+        <p:cNvGrpSpPr/>
+        <p:nvPr/>
+      </p:nvGrpSpPr>
+      <p:grpSpPr>
+        <a:xfrm>
+          <a:off x="0" y="0"/>
+          <a:ext cx="0" cy="0"/>
+          <a:chOff x="0" y="0"/>
+          <a:chExt cx="0" cy="0"/>
+        </a:xfrm>
+      </p:grpSpPr>
+      <p:sp>
+        <p:nvSpPr>
+          <p:cNvPr id="2" name="Title 1">
+            <a:extLst>
+              <a:ext uri="{FF2B5EF4-FFF2-40B4-BE49-F238E27FC236}">
+                <a16:creationId xmlns:a16="http://schemas.microsoft.com/office/drawing/2014/main" id="{EFD6DD17-62E0-1E55-BC3D-020631866C29}"/>
+              </a:ext>
+            </a:extLst>
+          </p:cNvPr>
+          <p:cNvSpPr>
+            <a:spLocks noGrp="1"/>
+          </p:cNvSpPr>
+          <p:nvPr>
+            <p:ph type="title"/>
+          </p:nvPr>
+        </p:nvSpPr>
+        <p:spPr/>
+        <p:txBody>
+          <a:bodyPr/>
+          <a:lstStyle/>
+          <a:p>
+            <a:r>
+              <a:rPr lang="en-US" dirty="0"/>
+              <a:t>Weighted Yearly Return Analysis</a:t>
             </a:r>
           </a:p>
         </p:txBody>
       </p:sp>
       <p:pic>
         <p:nvPicPr>
-          <p:cNvPr id="7" name="Picture 6">
-            <a:extLst>
-              <a:ext uri="{FF2B5EF4-FFF2-40B4-BE49-F238E27FC236}">
-                <a16:creationId xmlns:a16="http://schemas.microsoft.com/office/drawing/2014/main" id="{9B2A3B06-CADE-717B-574E-D0C01FD6253C}"/>
+          <p:cNvPr id="3" name="Picture 2">
+            <a:extLst>
+              <a:ext uri="{FF2B5EF4-FFF2-40B4-BE49-F238E27FC236}">
+                <a16:creationId xmlns:a16="http://schemas.microsoft.com/office/drawing/2014/main" id="{B7204BDA-EBF6-3152-E78F-8240B25347FF}"/>
               </a:ext>
             </a:extLst>
           </p:cNvPr>
@@ -3689,8 +3906,101 @@
         </p:blipFill>
         <p:spPr>
           <a:xfrm>
-            <a:off x="1463032" y="1443097"/>
-            <a:ext cx="8624787" cy="4726209"/>
+            <a:off x="1056951" y="1690688"/>
+            <a:ext cx="8836703" cy="4753992"/>
+          </a:xfrm>
+          <a:prstGeom prst="rect">
+            <a:avLst/>
+          </a:prstGeom>
+        </p:spPr>
+      </p:pic>
+    </p:spTree>
+    <p:extLst>
+      <p:ext uri="{BB962C8B-B14F-4D97-AF65-F5344CB8AC3E}">
+        <p14:creationId xmlns:p14="http://schemas.microsoft.com/office/powerpoint/2010/main" val="1174561638"/>
+      </p:ext>
+    </p:extLst>
+  </p:cSld>
+  <p:clrMapOvr>
+    <a:masterClrMapping/>
+  </p:clrMapOvr>
+</p:sld>
+</file>
+
+<file path=ppt/slides/slide13.xml><?xml version="1.0" encoding="utf-8"?>
+<p:sld xmlns:a="http://schemas.openxmlformats.org/drawingml/2006/main" xmlns:r="http://schemas.openxmlformats.org/officeDocument/2006/relationships" xmlns:p="http://schemas.openxmlformats.org/presentationml/2006/main">
+  <p:cSld>
+    <p:spTree>
+      <p:nvGrpSpPr>
+        <p:cNvPr id="1" name=""/>
+        <p:cNvGrpSpPr/>
+        <p:nvPr/>
+      </p:nvGrpSpPr>
+      <p:grpSpPr>
+        <a:xfrm>
+          <a:off x="0" y="0"/>
+          <a:ext cx="0" cy="0"/>
+          <a:chOff x="0" y="0"/>
+          <a:chExt cx="0" cy="0"/>
+        </a:xfrm>
+      </p:grpSpPr>
+      <p:sp>
+        <p:nvSpPr>
+          <p:cNvPr id="2" name="Title 1">
+            <a:extLst>
+              <a:ext uri="{FF2B5EF4-FFF2-40B4-BE49-F238E27FC236}">
+                <a16:creationId xmlns:a16="http://schemas.microsoft.com/office/drawing/2014/main" id="{E73D9D3D-AF71-906B-E26B-66C465744E19}"/>
+              </a:ext>
+            </a:extLst>
+          </p:cNvPr>
+          <p:cNvSpPr>
+            <a:spLocks noGrp="1"/>
+          </p:cNvSpPr>
+          <p:nvPr>
+            <p:ph type="title"/>
+          </p:nvPr>
+        </p:nvSpPr>
+        <p:spPr>
+          <a:xfrm>
+            <a:off x="398362" y="203080"/>
+            <a:ext cx="10515600" cy="1325563"/>
+          </a:xfrm>
+        </p:spPr>
+        <p:txBody>
+          <a:bodyPr/>
+          <a:lstStyle/>
+          <a:p>
+            <a:r>
+              <a:rPr lang="en-US" dirty="0"/>
+              <a:t>Weighted Yearly Moving Analysis</a:t>
+            </a:r>
+          </a:p>
+        </p:txBody>
+      </p:sp>
+      <p:pic>
+        <p:nvPicPr>
+          <p:cNvPr id="3" name="Picture 2">
+            <a:extLst>
+              <a:ext uri="{FF2B5EF4-FFF2-40B4-BE49-F238E27FC236}">
+                <a16:creationId xmlns:a16="http://schemas.microsoft.com/office/drawing/2014/main" id="{974BB783-409A-9D74-26DB-E7373E95A80E}"/>
+              </a:ext>
+            </a:extLst>
+          </p:cNvPr>
+          <p:cNvPicPr>
+            <a:picLocks noChangeAspect="1"/>
+          </p:cNvPicPr>
+          <p:nvPr/>
+        </p:nvPicPr>
+        <p:blipFill>
+          <a:blip r:embed="rId2"/>
+          <a:stretch>
+            <a:fillRect/>
+          </a:stretch>
+        </p:blipFill>
+        <p:spPr>
+          <a:xfrm>
+            <a:off x="1903335" y="1528643"/>
+            <a:ext cx="8385330" cy="4594991"/>
           </a:xfrm>
           <a:prstGeom prst="rect">
             <a:avLst/>
@@ -3701,6 +4011,86 @@
     <p:extLst>
       <p:ext uri="{BB962C8B-B14F-4D97-AF65-F5344CB8AC3E}">
         <p14:creationId xmlns:p14="http://schemas.microsoft.com/office/powerpoint/2010/main" val="2305400525"/>
+      </p:ext>
+    </p:extLst>
+  </p:cSld>
+  <p:clrMapOvr>
+    <a:masterClrMapping/>
+  </p:clrMapOvr>
+</p:sld>
+</file>
+
+<file path=ppt/slides/slide14.xml><?xml version="1.0" encoding="utf-8"?>
+<p:sld xmlns:a="http://schemas.openxmlformats.org/drawingml/2006/main" xmlns:r="http://schemas.openxmlformats.org/officeDocument/2006/relationships" xmlns:p="http://schemas.openxmlformats.org/presentationml/2006/main">
+  <p:cSld>
+    <p:spTree>
+      <p:nvGrpSpPr>
+        <p:cNvPr id="1" name=""/>
+        <p:cNvGrpSpPr/>
+        <p:nvPr/>
+      </p:nvGrpSpPr>
+      <p:grpSpPr>
+        <a:xfrm>
+          <a:off x="0" y="0"/>
+          <a:ext cx="0" cy="0"/>
+          <a:chOff x="0" y="0"/>
+          <a:chExt cx="0" cy="0"/>
+        </a:xfrm>
+      </p:grpSpPr>
+      <p:sp>
+        <p:nvSpPr>
+          <p:cNvPr id="2" name="Title 1">
+            <a:extLst>
+              <a:ext uri="{FF2B5EF4-FFF2-40B4-BE49-F238E27FC236}">
+                <a16:creationId xmlns:a16="http://schemas.microsoft.com/office/drawing/2014/main" id="{BF2AB0C1-09F0-2AE7-F39A-58C30D53F700}"/>
+              </a:ext>
+            </a:extLst>
+          </p:cNvPr>
+          <p:cNvSpPr>
+            <a:spLocks noGrp="1"/>
+          </p:cNvSpPr>
+          <p:nvPr>
+            <p:ph type="title"/>
+          </p:nvPr>
+        </p:nvSpPr>
+        <p:spPr/>
+        <p:txBody>
+          <a:bodyPr/>
+          <a:lstStyle/>
+          <a:p>
+            <a:endParaRPr lang="en-US"/>
+          </a:p>
+        </p:txBody>
+      </p:sp>
+      <p:sp>
+        <p:nvSpPr>
+          <p:cNvPr id="3" name="Content Placeholder 2">
+            <a:extLst>
+              <a:ext uri="{FF2B5EF4-FFF2-40B4-BE49-F238E27FC236}">
+                <a16:creationId xmlns:a16="http://schemas.microsoft.com/office/drawing/2014/main" id="{922EE060-7370-495F-6B4D-2DD1B094B97C}"/>
+              </a:ext>
+            </a:extLst>
+          </p:cNvPr>
+          <p:cNvSpPr>
+            <a:spLocks noGrp="1"/>
+          </p:cNvSpPr>
+          <p:nvPr>
+            <p:ph idx="1"/>
+          </p:nvPr>
+        </p:nvSpPr>
+        <p:spPr/>
+        <p:txBody>
+          <a:bodyPr/>
+          <a:lstStyle/>
+          <a:p>
+            <a:endParaRPr lang="en-US"/>
+          </a:p>
+        </p:txBody>
+      </p:sp>
+    </p:spTree>
+    <p:extLst>
+      <p:ext uri="{BB962C8B-B14F-4D97-AF65-F5344CB8AC3E}">
+        <p14:creationId xmlns:p14="http://schemas.microsoft.com/office/powerpoint/2010/main" val="1408078531"/>
       </p:ext>
     </p:extLst>
   </p:cSld>
@@ -4519,7 +4909,7 @@
         </p:blipFill>
         <p:spPr>
           <a:xfrm>
-            <a:off x="0" y="1143000"/>
+            <a:off x="0" y="1468502"/>
             <a:ext cx="12192000" cy="4572000"/>
           </a:xfrm>
           <a:prstGeom prst="rect">
@@ -4543,7 +4933,7 @@
         </p:nvSpPr>
         <p:spPr bwMode="auto">
           <a:xfrm>
-            <a:off x="698672" y="1772519"/>
+            <a:off x="704088" y="2573923"/>
             <a:ext cx="12886481" cy="169277"/>
           </a:xfrm>
           <a:prstGeom prst="rect">
@@ -4615,7 +5005,189 @@
                 <a:latin typeface="Arial Unicode MS"/>
                 <a:ea typeface="Courier New" panose="02070309020205020404" pitchFamily="49" charset="0"/>
               </a:rPr>
-              <a:t>'Communication Services', 'Consumer Discretionary', 'Consumer Staples', 'Energy', 'Financials', 'Health Care', 'Industrials', 'Information Technology', 'Materials', 'Real Estate', 'Utilities'</a:t>
+              <a:t>', </a:t>
+            </a:r>
+            <a:r>
+              <a:rPr kumimoji="0" lang="en-US" altLang="en-US" sz="1100" b="0" i="0" u="none" strike="noStrike" cap="none" normalizeH="0" baseline="0" dirty="0">
+                <a:ln>
+                  <a:noFill/>
+                </a:ln>
+                <a:solidFill>
+                  <a:srgbClr val="FF0000"/>
+                </a:solidFill>
+                <a:effectLst/>
+                <a:latin typeface="Arial Unicode MS"/>
+                <a:ea typeface="Courier New" panose="02070309020205020404" pitchFamily="49" charset="0"/>
+              </a:rPr>
+              <a:t>'Consumer Discretionary', </a:t>
+            </a:r>
+            <a:r>
+              <a:rPr kumimoji="0" lang="en-US" altLang="en-US" sz="1100" b="0" i="0" u="none" strike="noStrike" cap="none" normalizeH="0" baseline="0" dirty="0">
+                <a:ln>
+                  <a:noFill/>
+                </a:ln>
+                <a:solidFill>
+                  <a:schemeClr val="accent6"/>
+                </a:solidFill>
+                <a:effectLst/>
+                <a:latin typeface="Arial Unicode MS"/>
+                <a:ea typeface="Courier New" panose="02070309020205020404" pitchFamily="49" charset="0"/>
+              </a:rPr>
+              <a:t>'Consumer Staples</a:t>
+            </a:r>
+            <a:r>
+              <a:rPr kumimoji="0" lang="en-US" altLang="en-US" sz="1100" b="0" i="0" u="none" strike="noStrike" cap="none" normalizeH="0" baseline="0" dirty="0">
+                <a:ln>
+                  <a:noFill/>
+                </a:ln>
+                <a:solidFill>
+                  <a:schemeClr val="accent5"/>
+                </a:solidFill>
+                <a:effectLst/>
+                <a:latin typeface="Arial Unicode MS"/>
+                <a:ea typeface="Courier New" panose="02070309020205020404" pitchFamily="49" charset="0"/>
+              </a:rPr>
+              <a:t>', </a:t>
+            </a:r>
+            <a:r>
+              <a:rPr kumimoji="0" lang="en-US" altLang="en-US" sz="1100" b="0" i="0" u="none" strike="noStrike" cap="none" normalizeH="0" baseline="0" dirty="0">
+                <a:ln>
+                  <a:noFill/>
+                </a:ln>
+                <a:solidFill>
+                  <a:srgbClr val="3366FF"/>
+                </a:solidFill>
+                <a:effectLst/>
+                <a:latin typeface="Arial Unicode MS"/>
+                <a:ea typeface="Courier New" panose="02070309020205020404" pitchFamily="49" charset="0"/>
+              </a:rPr>
+              <a:t>'Consumer Staples', </a:t>
+            </a:r>
+            <a:r>
+              <a:rPr kumimoji="0" lang="en-US" altLang="en-US" sz="1100" b="0" i="0" u="none" strike="noStrike" cap="none" normalizeH="0" baseline="0" dirty="0">
+                <a:ln>
+                  <a:noFill/>
+                </a:ln>
+                <a:solidFill>
+                  <a:srgbClr val="33CCCC"/>
+                </a:solidFill>
+                <a:effectLst/>
+                <a:latin typeface="Arial Unicode MS"/>
+                <a:ea typeface="Courier New" panose="02070309020205020404" pitchFamily="49" charset="0"/>
+              </a:rPr>
+              <a:t>'Energy', </a:t>
+            </a:r>
+            <a:r>
+              <a:rPr kumimoji="0" lang="en-US" altLang="en-US" sz="1100" b="0" i="0" u="none" strike="noStrike" cap="none" normalizeH="0" baseline="0" dirty="0">
+                <a:ln>
+                  <a:noFill/>
+                </a:ln>
+                <a:solidFill>
+                  <a:srgbClr val="CC66FF"/>
+                </a:solidFill>
+                <a:effectLst/>
+                <a:latin typeface="Arial Unicode MS"/>
+                <a:ea typeface="Courier New" panose="02070309020205020404" pitchFamily="49" charset="0"/>
+              </a:rPr>
+              <a:t>'Financials', </a:t>
+            </a:r>
+            <a:r>
+              <a:rPr kumimoji="0" lang="en-US" altLang="en-US" sz="1100" b="0" i="0" u="none" strike="noStrike" cap="none" normalizeH="0" baseline="0" dirty="0">
+                <a:ln>
+                  <a:noFill/>
+                </a:ln>
+                <a:solidFill>
+                  <a:srgbClr val="CC00FF"/>
+                </a:solidFill>
+                <a:effectLst/>
+                <a:latin typeface="Arial Unicode MS"/>
+                <a:ea typeface="Courier New" panose="02070309020205020404" pitchFamily="49" charset="0"/>
+              </a:rPr>
+              <a:t>'</a:t>
+            </a:r>
+            <a:r>
+              <a:rPr kumimoji="0" lang="en-US" altLang="en-US" sz="1100" b="0" i="0" u="none" strike="noStrike" cap="none" normalizeH="0" baseline="0" dirty="0">
+                <a:ln>
+                  <a:noFill/>
+                </a:ln>
+                <a:solidFill>
+                  <a:srgbClr val="CCCC00"/>
+                </a:solidFill>
+                <a:effectLst/>
+                <a:latin typeface="Arial Unicode MS"/>
+                <a:ea typeface="Courier New" panose="02070309020205020404" pitchFamily="49" charset="0"/>
+              </a:rPr>
+              <a:t>Health Care</a:t>
+            </a:r>
+            <a:r>
+              <a:rPr kumimoji="0" lang="en-US" altLang="en-US" sz="1100" b="0" i="0" u="none" strike="noStrike" cap="none" normalizeH="0" baseline="0" dirty="0">
+                <a:ln>
+                  <a:noFill/>
+                </a:ln>
+                <a:solidFill>
+                  <a:srgbClr val="000000"/>
+                </a:solidFill>
+                <a:effectLst/>
+                <a:latin typeface="Arial Unicode MS"/>
+                <a:ea typeface="Courier New" panose="02070309020205020404" pitchFamily="49" charset="0"/>
+              </a:rPr>
+              <a:t>', </a:t>
+            </a:r>
+            <a:r>
+              <a:rPr kumimoji="0" lang="en-US" altLang="en-US" sz="1100" b="0" i="0" u="none" strike="noStrike" cap="none" normalizeH="0" baseline="0" dirty="0">
+                <a:ln>
+                  <a:noFill/>
+                </a:ln>
+                <a:solidFill>
+                  <a:srgbClr val="CC9900"/>
+                </a:solidFill>
+                <a:effectLst/>
+                <a:latin typeface="Arial Unicode MS"/>
+                <a:ea typeface="Courier New" panose="02070309020205020404" pitchFamily="49" charset="0"/>
+              </a:rPr>
+              <a:t>'</a:t>
+            </a:r>
+            <a:r>
+              <a:rPr kumimoji="0" lang="en-US" altLang="en-US" sz="1100" b="0" i="0" u="none" strike="noStrike" cap="none" normalizeH="0" baseline="0" dirty="0">
+                <a:ln>
+                  <a:noFill/>
+                </a:ln>
+                <a:solidFill>
+                  <a:srgbClr val="DDDDDD"/>
+                </a:solidFill>
+                <a:effectLst/>
+                <a:latin typeface="Arial Unicode MS"/>
+                <a:ea typeface="Courier New" panose="02070309020205020404" pitchFamily="49" charset="0"/>
+              </a:rPr>
+              <a:t>Industrials</a:t>
+            </a:r>
+            <a:r>
+              <a:rPr kumimoji="0" lang="en-US" altLang="en-US" sz="1100" b="0" i="0" u="none" strike="noStrike" cap="none" normalizeH="0" baseline="0" dirty="0">
+                <a:ln>
+                  <a:noFill/>
+                </a:ln>
+                <a:solidFill>
+                  <a:srgbClr val="CC9900"/>
+                </a:solidFill>
+                <a:effectLst/>
+                <a:latin typeface="Arial Unicode MS"/>
+                <a:ea typeface="Courier New" panose="02070309020205020404" pitchFamily="49" charset="0"/>
+              </a:rPr>
+              <a:t>', </a:t>
+            </a:r>
+            <a:r>
+              <a:rPr kumimoji="0" lang="en-US" altLang="en-US" sz="1100" b="0" i="0" u="none" strike="noStrike" cap="none" normalizeH="0" baseline="0" dirty="0">
+                <a:ln>
+                  <a:noFill/>
+                </a:ln>
+                <a:solidFill>
+                  <a:srgbClr val="000000"/>
+                </a:solidFill>
+                <a:effectLst/>
+                <a:latin typeface="Arial Unicode MS"/>
+                <a:ea typeface="Courier New" panose="02070309020205020404" pitchFamily="49" charset="0"/>
+              </a:rPr>
+              <a:t>'Information Technology', 'Materials', 'Real Estate', 'Utilities'</a:t>
             </a:r>
             <a:r>
               <a:rPr kumimoji="0" lang="en-US" altLang="en-US" sz="1000" b="0" i="0" u="none" strike="noStrike" cap="none" normalizeH="0" baseline="0" dirty="0">
@@ -4672,8 +5244,123 @@
           <a:p>
             <a:r>
               <a:rPr lang="en-US" sz="2800" dirty="0"/>
-              <a:t>Top Companies in each sectors (2023)</a:t>
-            </a:r>
+              <a:t>Top Weighted Companies in each sectors (2023)</a:t>
+            </a:r>
+          </a:p>
+        </p:txBody>
+      </p:sp>
+      <p:sp>
+        <p:nvSpPr>
+          <p:cNvPr id="6" name="Rectangle 1">
+            <a:extLst>
+              <a:ext uri="{FF2B5EF4-FFF2-40B4-BE49-F238E27FC236}">
+                <a16:creationId xmlns:a16="http://schemas.microsoft.com/office/drawing/2014/main" id="{4E3D8AA6-9260-5179-0850-C8436C6A703E}"/>
+              </a:ext>
+            </a:extLst>
+          </p:cNvPr>
+          <p:cNvSpPr>
+            <a:spLocks noChangeArrowheads="1"/>
+          </p:cNvSpPr>
+          <p:nvPr/>
+        </p:nvSpPr>
+        <p:spPr bwMode="auto">
+          <a:xfrm>
+            <a:off x="292608" y="1715669"/>
+            <a:ext cx="9090630" cy="153888"/>
+          </a:xfrm>
+          <a:prstGeom prst="rect">
+            <a:avLst/>
+          </a:prstGeom>
+          <a:solidFill>
+            <a:srgbClr val="FFFFFF"/>
+          </a:solidFill>
+          <a:ln>
+            <a:noFill/>
+          </a:ln>
+          <a:effectLst/>
+          <a:extLst>
+            <a:ext uri="{91240B29-F687-4F45-9708-019B960494DF}">
+              <a14:hiddenLine xmlns:a14="http://schemas.microsoft.com/office/drawing/2010/main" w="9525">
+                <a:solidFill>
+                  <a:schemeClr val="tx1"/>
+                </a:solidFill>
+                <a:miter lim="800000"/>
+                <a:headEnd/>
+                <a:tailEnd/>
+              </a14:hiddenLine>
+            </a:ext>
+            <a:ext uri="{AF507438-7753-43E0-B8FC-AC1667EBCBE1}">
+              <a14:hiddenEffects xmlns:a14="http://schemas.microsoft.com/office/drawing/2010/main">
+                <a:effectLst>
+                  <a:outerShdw dist="35921" dir="2700000" algn="ctr" rotWithShape="0">
+                    <a:schemeClr val="bg2"/>
+                  </a:outerShdw>
+                </a:effectLst>
+              </a14:hiddenEffects>
+            </a:ext>
+          </a:extLst>
+        </p:spPr>
+        <p:txBody>
+          <a:bodyPr vert="horz" wrap="none" lIns="0" tIns="0" rIns="0" bIns="0" numCol="1" anchor="ctr" anchorCtr="0" compatLnSpc="1">
+            <a:prstTxWarp prst="textNoShape">
+              <a:avLst/>
+            </a:prstTxWarp>
+            <a:spAutoFit/>
+          </a:bodyPr>
+          <a:lstStyle/>
+          <a:p>
+            <a:pPr marL="0" marR="0" lvl="0" indent="0" algn="l" defTabSz="914400" rtl="0" eaLnBrk="0" fontAlgn="base" latinLnBrk="0" hangingPunct="0">
+              <a:lnSpc>
+                <a:spcPct val="100000"/>
+              </a:lnSpc>
+              <a:spcBef>
+                <a:spcPct val="0"/>
+              </a:spcBef>
+              <a:spcAft>
+                <a:spcPct val="0"/>
+              </a:spcAft>
+              <a:buClrTx/>
+              <a:buSzTx/>
+              <a:buFontTx/>
+              <a:buNone/>
+              <a:tabLst/>
+            </a:pPr>
+            <a:r>
+              <a:rPr kumimoji="0" lang="en-US" altLang="en-US" sz="1000" b="0" i="0" u="none" strike="noStrike" cap="none" normalizeH="0" baseline="0" dirty="0">
+                <a:ln>
+                  <a:noFill/>
+                </a:ln>
+                <a:solidFill>
+                  <a:srgbClr val="000000"/>
+                </a:solidFill>
+                <a:effectLst/>
+                <a:latin typeface="Arial Unicode MS"/>
+                <a:ea typeface="Courier New" panose="02070309020205020404" pitchFamily="49" charset="0"/>
+              </a:rPr>
+              <a:t>'Communication Services', 'Consumer Discretionary', 'Energy', 'Financials', 'Health Care', 'Industrials', 'Information Technology', 'Materials', 'Real Estate', 'Utilities'</a:t>
+            </a:r>
+            <a:r>
+              <a:rPr kumimoji="0" lang="en-US" altLang="en-US" sz="800" b="0" i="0" u="none" strike="noStrike" cap="none" normalizeH="0" baseline="0" dirty="0">
+                <a:ln>
+                  <a:noFill/>
+                </a:ln>
+                <a:solidFill>
+                  <a:schemeClr val="tx1"/>
+                </a:solidFill>
+                <a:effectLst/>
+              </a:rPr>
+              <a:t> </a:t>
+            </a:r>
+            <a:endParaRPr kumimoji="0" lang="en-US" altLang="en-US" sz="1800" b="0" i="0" u="none" strike="noStrike" cap="none" normalizeH="0" baseline="0" dirty="0">
+              <a:ln>
+                <a:noFill/>
+              </a:ln>
+              <a:solidFill>
+                <a:schemeClr val="tx1"/>
+              </a:solidFill>
+              <a:effectLst/>
+              <a:latin typeface="Arial" panose="020B0604020202020204" pitchFamily="34" charset="0"/>
+            </a:endParaRPr>
           </a:p>
         </p:txBody>
       </p:sp>
@@ -4772,30 +5459,46 @@
                 <a:ea typeface="DengXian" panose="02010600030101010101" pitchFamily="2" charset="-122"/>
                 <a:cs typeface="Times New Roman" panose="02020603050405020304" pitchFamily="18" charset="0"/>
               </a:rPr>
-              <a:t>Yearly Return</a:t>
-            </a:r>
-          </a:p>
-          <a:p>
-            <a:r>
-              <a:rPr lang="en-US" sz="2800" b="1" kern="100" dirty="0">
-                <a:effectLst/>
+              <a:t>10 Yearly Return</a:t>
+            </a:r>
+          </a:p>
+          <a:p>
+            <a:pPr lvl="1"/>
+            <a:r>
+              <a:rPr lang="en-US" b="1" kern="100" dirty="0">
                 <a:latin typeface="Calibri" panose="020F0502020204030204" pitchFamily="34" charset="0"/>
                 <a:ea typeface="DengXian" panose="02010600030101010101" pitchFamily="2" charset="-122"/>
                 <a:cs typeface="Times New Roman" panose="02020603050405020304" pitchFamily="18" charset="0"/>
               </a:rPr>
-              <a:t>Price-to-Earnings (P/E) Ratio</a:t>
-            </a:r>
-            <a:r>
-              <a:rPr lang="en-US" sz="2800" kern="100" dirty="0">
-                <a:effectLst/>
+              <a:t>Start date = '2013-01-01’   End date = '2022-12-31’</a:t>
+            </a:r>
+          </a:p>
+          <a:p>
+            <a:pPr lvl="1"/>
+            <a:r>
+              <a:rPr lang="en-US" b="1" kern="100" dirty="0">
                 <a:latin typeface="Calibri" panose="020F0502020204030204" pitchFamily="34" charset="0"/>
                 <a:ea typeface="DengXian" panose="02010600030101010101" pitchFamily="2" charset="-122"/>
                 <a:cs typeface="Times New Roman" panose="02020603050405020304" pitchFamily="18" charset="0"/>
               </a:rPr>
-              <a:t>: Analyze the average price-to-earnings ratio of the stocks within the industry. A stable industry may exhibit a relatively consistent P/E ratio over time.</a:t>
-            </a:r>
-          </a:p>
-          <a:p>
+              <a:t>Which sector has the highest average growth?</a:t>
+            </a:r>
+          </a:p>
+          <a:p>
+            <a:pPr lvl="1"/>
+            <a:r>
+              <a:rPr lang="en-US" b="1" kern="100" dirty="0">
+                <a:latin typeface="Calibri" panose="020F0502020204030204" pitchFamily="34" charset="0"/>
+                <a:ea typeface="DengXian" panose="02010600030101010101" pitchFamily="2" charset="-122"/>
+                <a:cs typeface="Times New Roman" panose="02020603050405020304" pitchFamily="18" charset="0"/>
+              </a:rPr>
+              <a:t>Which sector has the most stocks with higher average growth?</a:t>
+            </a:r>
+          </a:p>
+          <a:p>
+            <a:pPr marL="0" indent="0">
+              <a:buNone/>
+            </a:pPr>
             <a:endParaRPr lang="en-US" dirty="0"/>
           </a:p>
         </p:txBody>
@@ -4835,7 +5538,7 @@
           <p:cNvPr id="2" name="Title 1">
             <a:extLst>
               <a:ext uri="{FF2B5EF4-FFF2-40B4-BE49-F238E27FC236}">
-                <a16:creationId xmlns:a16="http://schemas.microsoft.com/office/drawing/2014/main" id="{EFD6DD17-62E0-1E55-BC3D-020631866C29}"/>
+                <a16:creationId xmlns:a16="http://schemas.microsoft.com/office/drawing/2014/main" id="{7A9D430D-6591-0323-315D-30C1DF5AEA44}"/>
               </a:ext>
             </a:extLst>
           </p:cNvPr>
@@ -4853,45 +5556,134 @@
           <a:p>
             <a:r>
               <a:rPr lang="en-US" dirty="0"/>
-              <a:t>Weighted Yearly Return</a:t>
+              <a:t>10 Year Growth Analysis</a:t>
             </a:r>
           </a:p>
         </p:txBody>
       </p:sp>
       <p:pic>
         <p:nvPicPr>
-          <p:cNvPr id="6" name="Picture 5">
-            <a:extLst>
-              <a:ext uri="{FF2B5EF4-FFF2-40B4-BE49-F238E27FC236}">
-                <a16:creationId xmlns:a16="http://schemas.microsoft.com/office/drawing/2014/main" id="{4411E0A7-AF55-9DCA-2711-26ECFF1C99EB}"/>
+          <p:cNvPr id="1026" name="Picture 2">
+            <a:extLst>
+              <a:ext uri="{FF2B5EF4-FFF2-40B4-BE49-F238E27FC236}">
+                <a16:creationId xmlns:a16="http://schemas.microsoft.com/office/drawing/2014/main" id="{6F3B98A9-A4FF-8CB0-33CF-2CE67FF4C955}"/>
               </a:ext>
             </a:extLst>
           </p:cNvPr>
           <p:cNvPicPr>
-            <a:picLocks noChangeAspect="1"/>
+            <a:picLocks noGrp="1" noChangeAspect="1" noChangeArrowheads="1"/>
           </p:cNvPicPr>
-          <p:nvPr/>
+          <p:nvPr>
+            <p:ph idx="1"/>
+          </p:nvPr>
         </p:nvPicPr>
         <p:blipFill>
-          <a:blip r:embed="rId2"/>
+          <a:blip r:embed="rId2">
+            <a:extLst>
+              <a:ext uri="{28A0092B-C50C-407E-A947-70E740481C1C}">
+                <a14:useLocalDpi xmlns:a14="http://schemas.microsoft.com/office/drawing/2010/main" val="0"/>
+              </a:ext>
+            </a:extLst>
+          </a:blip>
+          <a:srcRect/>
           <a:stretch>
             <a:fillRect/>
           </a:stretch>
         </p:blipFill>
-        <p:spPr>
+        <p:spPr bwMode="auto">
           <a:xfrm>
-            <a:off x="1342663" y="1475772"/>
-            <a:ext cx="8797543" cy="4732925"/>
+            <a:off x="6842760" y="975360"/>
+            <a:ext cx="4886919" cy="4881563"/>
           </a:xfrm>
           <a:prstGeom prst="rect">
             <a:avLst/>
           </a:prstGeom>
+          <a:noFill/>
+          <a:extLst>
+            <a:ext uri="{909E8E84-426E-40DD-AFC4-6F175D3DCCD1}">
+              <a14:hiddenFill xmlns:a14="http://schemas.microsoft.com/office/drawing/2010/main">
+                <a:solidFill>
+                  <a:srgbClr val="FFFFFF"/>
+                </a:solidFill>
+              </a14:hiddenFill>
+            </a:ext>
+          </a:extLst>
         </p:spPr>
       </p:pic>
+      <p:sp>
+        <p:nvSpPr>
+          <p:cNvPr id="5" name="TextBox 4">
+            <a:extLst>
+              <a:ext uri="{FF2B5EF4-FFF2-40B4-BE49-F238E27FC236}">
+                <a16:creationId xmlns:a16="http://schemas.microsoft.com/office/drawing/2014/main" id="{CFE7B743-ABA3-0250-FDA2-8E39828DBBA5}"/>
+              </a:ext>
+            </a:extLst>
+          </p:cNvPr>
+          <p:cNvSpPr txBox="1"/>
+          <p:nvPr/>
+        </p:nvSpPr>
+        <p:spPr>
+          <a:xfrm>
+            <a:off x="462321" y="1798320"/>
+            <a:ext cx="5481279" cy="923330"/>
+          </a:xfrm>
+          <a:prstGeom prst="rect">
+            <a:avLst/>
+          </a:prstGeom>
+          <a:noFill/>
+        </p:spPr>
+        <p:txBody>
+          <a:bodyPr wrap="square" rtlCol="0">
+            <a:spAutoFit/>
+          </a:bodyPr>
+          <a:lstStyle/>
+          <a:p>
+            <a:r>
+              <a:rPr lang="en-US" dirty="0"/>
+              <a:t>After breaking down the stocks in the S&amp;P 500 by Sector, we did a quick analysis to see which sector grew the most over the past 10 years</a:t>
+            </a:r>
+          </a:p>
+        </p:txBody>
+      </p:sp>
+      <p:sp>
+        <p:nvSpPr>
+          <p:cNvPr id="7" name="TextBox 6">
+            <a:extLst>
+              <a:ext uri="{FF2B5EF4-FFF2-40B4-BE49-F238E27FC236}">
+                <a16:creationId xmlns:a16="http://schemas.microsoft.com/office/drawing/2014/main" id="{1C407A35-1E91-0739-B65D-A2E0B23F3B16}"/>
+              </a:ext>
+            </a:extLst>
+          </p:cNvPr>
+          <p:cNvSpPr txBox="1"/>
+          <p:nvPr/>
+        </p:nvSpPr>
+        <p:spPr>
+          <a:xfrm>
+            <a:off x="462322" y="3246120"/>
+            <a:ext cx="5481278" cy="646331"/>
+          </a:xfrm>
+          <a:prstGeom prst="rect">
+            <a:avLst/>
+          </a:prstGeom>
+          <a:noFill/>
+        </p:spPr>
+        <p:txBody>
+          <a:bodyPr wrap="square" rtlCol="0">
+            <a:spAutoFit/>
+          </a:bodyPr>
+          <a:lstStyle/>
+          <a:p>
+            <a:r>
+              <a:rPr lang="en-US" dirty="0"/>
+              <a:t>We don’t have exact data on volatility but, as shown in the previous slide, IT tends to be the most volatile</a:t>
+            </a:r>
+          </a:p>
+        </p:txBody>
+      </p:sp>
     </p:spTree>
     <p:extLst>
       <p:ext uri="{BB962C8B-B14F-4D97-AF65-F5344CB8AC3E}">
-        <p14:creationId xmlns:p14="http://schemas.microsoft.com/office/powerpoint/2010/main" val="1174561638"/>
+        <p14:creationId xmlns:p14="http://schemas.microsoft.com/office/powerpoint/2010/main" val="731193045"/>
       </p:ext>
     </p:extLst>
   </p:cSld>
@@ -4923,7 +5715,7 @@
           <p:cNvPr id="2" name="Title 1">
             <a:extLst>
               <a:ext uri="{FF2B5EF4-FFF2-40B4-BE49-F238E27FC236}">
-                <a16:creationId xmlns:a16="http://schemas.microsoft.com/office/drawing/2014/main" id="{7A9D430D-6591-0323-315D-30C1DF5AEA44}"/>
+                <a16:creationId xmlns:a16="http://schemas.microsoft.com/office/drawing/2014/main" id="{062CB2D6-7896-B6FE-36F6-508F71CBFBDD}"/>
               </a:ext>
             </a:extLst>
           </p:cNvPr>
@@ -4934,73 +5726,91 @@
             <p:ph type="title"/>
           </p:nvPr>
         </p:nvSpPr>
-        <p:spPr/>
-        <p:txBody>
-          <a:bodyPr/>
-          <a:lstStyle/>
-          <a:p>
-            <a:r>
-              <a:rPr lang="en-US" dirty="0"/>
-              <a:t>10 Year Growth Analysis</a:t>
+        <p:spPr>
+          <a:xfrm>
+            <a:off x="259080" y="-9144"/>
+            <a:ext cx="10515600" cy="1325563"/>
+          </a:xfrm>
+        </p:spPr>
+        <p:txBody>
+          <a:bodyPr>
+            <a:normAutofit/>
+          </a:bodyPr>
+          <a:lstStyle/>
+          <a:p>
+            <a:r>
+              <a:rPr lang="en-US" sz="3200" dirty="0"/>
+              <a:t>Top Returned Stocks (2013-2022)</a:t>
             </a:r>
           </a:p>
         </p:txBody>
       </p:sp>
       <p:pic>
         <p:nvPicPr>
-          <p:cNvPr id="1026" name="Picture 2">
-            <a:extLst>
-              <a:ext uri="{FF2B5EF4-FFF2-40B4-BE49-F238E27FC236}">
-                <a16:creationId xmlns:a16="http://schemas.microsoft.com/office/drawing/2014/main" id="{6F3B98A9-A4FF-8CB0-33CF-2CE67FF4C955}"/>
+          <p:cNvPr id="5" name="Picture 4">
+            <a:extLst>
+              <a:ext uri="{FF2B5EF4-FFF2-40B4-BE49-F238E27FC236}">
+                <a16:creationId xmlns:a16="http://schemas.microsoft.com/office/drawing/2014/main" id="{B6E8D623-B08A-49BB-2D08-C93757CE4200}"/>
               </a:ext>
             </a:extLst>
           </p:cNvPr>
           <p:cNvPicPr>
-            <a:picLocks noGrp="1" noChangeAspect="1" noChangeArrowheads="1"/>
+            <a:picLocks noChangeAspect="1"/>
           </p:cNvPicPr>
-          <p:nvPr>
-            <p:ph idx="1"/>
-          </p:nvPr>
+          <p:nvPr/>
         </p:nvPicPr>
         <p:blipFill>
-          <a:blip r:embed="rId2">
-            <a:extLst>
-              <a:ext uri="{28A0092B-C50C-407E-A947-70E740481C1C}">
-                <a14:useLocalDpi xmlns:a14="http://schemas.microsoft.com/office/drawing/2010/main" val="0"/>
-              </a:ext>
-            </a:extLst>
-          </a:blip>
-          <a:srcRect/>
+          <a:blip r:embed="rId2"/>
           <a:stretch>
             <a:fillRect/>
           </a:stretch>
         </p:blipFill>
-        <p:spPr bwMode="auto">
+        <p:spPr>
           <a:xfrm>
-            <a:off x="6842760" y="975360"/>
-            <a:ext cx="4886919" cy="4881563"/>
+            <a:off x="6506337" y="645668"/>
+            <a:ext cx="5362575" cy="5819775"/>
           </a:xfrm>
           <a:prstGeom prst="rect">
             <a:avLst/>
           </a:prstGeom>
-          <a:noFill/>
-          <a:extLst>
-            <a:ext uri="{909E8E84-426E-40DD-AFC4-6F175D3DCCD1}">
-              <a14:hiddenFill xmlns:a14="http://schemas.microsoft.com/office/drawing/2010/main">
-                <a:solidFill>
-                  <a:srgbClr val="FFFFFF"/>
-                </a:solidFill>
-              </a14:hiddenFill>
-            </a:ext>
-          </a:extLst>
         </p:spPr>
       </p:pic>
-      <p:sp>
-        <p:nvSpPr>
-          <p:cNvPr id="5" name="TextBox 4">
-            <a:extLst>
-              <a:ext uri="{FF2B5EF4-FFF2-40B4-BE49-F238E27FC236}">
-                <a16:creationId xmlns:a16="http://schemas.microsoft.com/office/drawing/2014/main" id="{CFE7B743-ABA3-0250-FDA2-8E39828DBBA5}"/>
+      <p:pic>
+        <p:nvPicPr>
+          <p:cNvPr id="7" name="Picture 6">
+            <a:extLst>
+              <a:ext uri="{FF2B5EF4-FFF2-40B4-BE49-F238E27FC236}">
+                <a16:creationId xmlns:a16="http://schemas.microsoft.com/office/drawing/2014/main" id="{2AC5A71D-78A4-E89D-FF41-64C8DB4C2C3F}"/>
+              </a:ext>
+            </a:extLst>
+          </p:cNvPr>
+          <p:cNvPicPr>
+            <a:picLocks noChangeAspect="1"/>
+          </p:cNvPicPr>
+          <p:nvPr/>
+        </p:nvPicPr>
+        <p:blipFill>
+          <a:blip r:embed="rId3"/>
+          <a:stretch>
+            <a:fillRect/>
+          </a:stretch>
+        </p:blipFill>
+        <p:spPr>
+          <a:xfrm>
+            <a:off x="362712" y="2778824"/>
+            <a:ext cx="6143625" cy="3562350"/>
+          </a:xfrm>
+          <a:prstGeom prst="rect">
+            <a:avLst/>
+          </a:prstGeom>
+        </p:spPr>
+      </p:pic>
+      <p:sp>
+        <p:nvSpPr>
+          <p:cNvPr id="8" name="TextBox 7">
+            <a:extLst>
+              <a:ext uri="{FF2B5EF4-FFF2-40B4-BE49-F238E27FC236}">
+                <a16:creationId xmlns:a16="http://schemas.microsoft.com/office/drawing/2014/main" id="{51B766DE-CB23-11FD-D584-08E782DF3C90}"/>
               </a:ext>
             </a:extLst>
           </p:cNvPr>
@@ -5009,8 +5819,8 @@
         </p:nvSpPr>
         <p:spPr>
           <a:xfrm>
-            <a:off x="462321" y="1798320"/>
-            <a:ext cx="5481279" cy="923330"/>
+            <a:off x="323088" y="1137446"/>
+            <a:ext cx="2991525" cy="1323439"/>
           </a:xfrm>
           <a:prstGeom prst="rect">
             <a:avLst/>
@@ -5018,24 +5828,67 @@
           <a:noFill/>
         </p:spPr>
         <p:txBody>
-          <a:bodyPr wrap="square" rtlCol="0">
+          <a:bodyPr wrap="none" rtlCol="0">
             <a:spAutoFit/>
           </a:bodyPr>
           <a:lstStyle/>
           <a:p>
             <a:r>
-              <a:rPr lang="en-US" dirty="0"/>
-              <a:t>After breaking down the stocks in the S&amp;P 500 by Sector, we did a quick analysis to see which sector grew the most over the past 10 years</a:t>
-            </a:r>
-          </a:p>
-        </p:txBody>
-      </p:sp>
-      <p:sp>
-        <p:nvSpPr>
-          <p:cNvPr id="7" name="TextBox 6">
-            <a:extLst>
-              <a:ext uri="{FF2B5EF4-FFF2-40B4-BE49-F238E27FC236}">
-                <a16:creationId xmlns:a16="http://schemas.microsoft.com/office/drawing/2014/main" id="{1C407A35-1E91-0739-B65D-A2E0B23F3B16}"/>
+              <a:rPr lang="en-US" sz="2000" dirty="0"/>
+              <a:t>Top 1</a:t>
+            </a:r>
+          </a:p>
+          <a:p>
+            <a:r>
+              <a:rPr lang="en-US" sz="2000" dirty="0"/>
+              <a:t>Enphase Energy Inc.</a:t>
+            </a:r>
+          </a:p>
+          <a:p>
+            <a:r>
+              <a:rPr lang="en-US" sz="2000" dirty="0"/>
+              <a:t>2013-01-04 : </a:t>
+            </a:r>
+            <a:r>
+              <a:rPr lang="en-US" sz="2000" b="0" i="0" dirty="0">
+                <a:solidFill>
+                  <a:srgbClr val="000000"/>
+                </a:solidFill>
+                <a:effectLst/>
+                <a:latin typeface="Helvetica Neue"/>
+              </a:rPr>
+              <a:t>3.87</a:t>
+            </a:r>
+          </a:p>
+          <a:p>
+            <a:r>
+              <a:rPr lang="en-US" sz="2000" dirty="0">
+                <a:solidFill>
+                  <a:srgbClr val="000000"/>
+                </a:solidFill>
+                <a:latin typeface="Helvetica Neue"/>
+              </a:rPr>
+              <a:t>2022-12-30: </a:t>
+            </a:r>
+            <a:r>
+              <a:rPr lang="en-US" sz="2000" b="0" i="0" dirty="0">
+                <a:solidFill>
+                  <a:srgbClr val="000000"/>
+                </a:solidFill>
+                <a:effectLst/>
+                <a:latin typeface="Helvetica Neue"/>
+              </a:rPr>
+              <a:t>264.959991</a:t>
+            </a:r>
+          </a:p>
+        </p:txBody>
+      </p:sp>
+      <p:sp>
+        <p:nvSpPr>
+          <p:cNvPr id="9" name="TextBox 8">
+            <a:extLst>
+              <a:ext uri="{FF2B5EF4-FFF2-40B4-BE49-F238E27FC236}">
+                <a16:creationId xmlns:a16="http://schemas.microsoft.com/office/drawing/2014/main" id="{623A5885-E6CA-BD2F-24EB-4CD707025215}"/>
               </a:ext>
             </a:extLst>
           </p:cNvPr>
@@ -5044,8 +5897,8 @@
         </p:nvSpPr>
         <p:spPr>
           <a:xfrm>
-            <a:off x="462322" y="3246120"/>
-            <a:ext cx="5481278" cy="646331"/>
+            <a:off x="323088" y="2778824"/>
+            <a:ext cx="806952" cy="369332"/>
           </a:xfrm>
           <a:prstGeom prst="rect">
             <a:avLst/>
@@ -5053,14 +5906,14 @@
           <a:noFill/>
         </p:spPr>
         <p:txBody>
-          <a:bodyPr wrap="square" rtlCol="0">
+          <a:bodyPr wrap="none" rtlCol="0">
             <a:spAutoFit/>
           </a:bodyPr>
           <a:lstStyle/>
           <a:p>
             <a:r>
               <a:rPr lang="en-US" dirty="0"/>
-              <a:t>We don’t have exact data on volatility but, as shown in the previous slide, IT tends to be the most volatile</a:t>
+              <a:t>Top 10</a:t>
             </a:r>
           </a:p>
         </p:txBody>
@@ -5068,7 +5921,7 @@
     </p:spTree>
     <p:extLst>
       <p:ext uri="{BB962C8B-B14F-4D97-AF65-F5344CB8AC3E}">
-        <p14:creationId xmlns:p14="http://schemas.microsoft.com/office/powerpoint/2010/main" val="731193045"/>
+        <p14:creationId xmlns:p14="http://schemas.microsoft.com/office/powerpoint/2010/main" val="1688072982"/>
       </p:ext>
     </p:extLst>
   </p:cSld>
